--- a/doc/section6.pptx
+++ b/doc/section6.pptx
@@ -7,8 +7,9 @@
   <p:sldIdLst>
     <p:sldId id="256" r:id="rId2"/>
     <p:sldId id="257" r:id="rId3"/>
-    <p:sldId id="258" r:id="rId4"/>
-    <p:sldId id="259" r:id="rId5"/>
+    <p:sldId id="260" r:id="rId4"/>
+    <p:sldId id="258" r:id="rId5"/>
+    <p:sldId id="259" r:id="rId6"/>
   </p:sldIdLst>
   <p:sldSz cx="9144000" cy="6858000" type="screen4x3"/>
   <p:notesSz cx="6858000" cy="9144000"/>
@@ -291,7 +292,7 @@
           <a:p>
             <a:fld id="{A73504A3-9D1A-AE47-A358-CB5A75F861CE}" type="datetimeFigureOut">
               <a:rPr lang="en-US" smtClean="0"/>
-              <a:t>4/14/13</a:t>
+              <a:t>4/16/13</a:t>
             </a:fld>
             <a:endParaRPr lang="en-US"/>
           </a:p>
@@ -461,7 +462,7 @@
           <a:p>
             <a:fld id="{A73504A3-9D1A-AE47-A358-CB5A75F861CE}" type="datetimeFigureOut">
               <a:rPr lang="en-US" smtClean="0"/>
-              <a:t>4/14/13</a:t>
+              <a:t>4/16/13</a:t>
             </a:fld>
             <a:endParaRPr lang="en-US"/>
           </a:p>
@@ -641,7 +642,7 @@
           <a:p>
             <a:fld id="{A73504A3-9D1A-AE47-A358-CB5A75F861CE}" type="datetimeFigureOut">
               <a:rPr lang="en-US" smtClean="0"/>
-              <a:t>4/14/13</a:t>
+              <a:t>4/16/13</a:t>
             </a:fld>
             <a:endParaRPr lang="en-US"/>
           </a:p>
@@ -811,7 +812,7 @@
           <a:p>
             <a:fld id="{A73504A3-9D1A-AE47-A358-CB5A75F861CE}" type="datetimeFigureOut">
               <a:rPr lang="en-US" smtClean="0"/>
-              <a:t>4/14/13</a:t>
+              <a:t>4/16/13</a:t>
             </a:fld>
             <a:endParaRPr lang="en-US"/>
           </a:p>
@@ -1057,7 +1058,7 @@
           <a:p>
             <a:fld id="{A73504A3-9D1A-AE47-A358-CB5A75F861CE}" type="datetimeFigureOut">
               <a:rPr lang="en-US" smtClean="0"/>
-              <a:t>4/14/13</a:t>
+              <a:t>4/16/13</a:t>
             </a:fld>
             <a:endParaRPr lang="en-US"/>
           </a:p>
@@ -1345,7 +1346,7 @@
           <a:p>
             <a:fld id="{A73504A3-9D1A-AE47-A358-CB5A75F861CE}" type="datetimeFigureOut">
               <a:rPr lang="en-US" smtClean="0"/>
-              <a:t>4/14/13</a:t>
+              <a:t>4/16/13</a:t>
             </a:fld>
             <a:endParaRPr lang="en-US"/>
           </a:p>
@@ -1767,7 +1768,7 @@
           <a:p>
             <a:fld id="{A73504A3-9D1A-AE47-A358-CB5A75F861CE}" type="datetimeFigureOut">
               <a:rPr lang="en-US" smtClean="0"/>
-              <a:t>4/14/13</a:t>
+              <a:t>4/16/13</a:t>
             </a:fld>
             <a:endParaRPr lang="en-US"/>
           </a:p>
@@ -1885,7 +1886,7 @@
           <a:p>
             <a:fld id="{A73504A3-9D1A-AE47-A358-CB5A75F861CE}" type="datetimeFigureOut">
               <a:rPr lang="en-US" smtClean="0"/>
-              <a:t>4/14/13</a:t>
+              <a:t>4/16/13</a:t>
             </a:fld>
             <a:endParaRPr lang="en-US"/>
           </a:p>
@@ -1980,7 +1981,7 @@
           <a:p>
             <a:fld id="{A73504A3-9D1A-AE47-A358-CB5A75F861CE}" type="datetimeFigureOut">
               <a:rPr lang="en-US" smtClean="0"/>
-              <a:t>4/14/13</a:t>
+              <a:t>4/16/13</a:t>
             </a:fld>
             <a:endParaRPr lang="en-US"/>
           </a:p>
@@ -2257,7 +2258,7 @@
           <a:p>
             <a:fld id="{A73504A3-9D1A-AE47-A358-CB5A75F861CE}" type="datetimeFigureOut">
               <a:rPr lang="en-US" smtClean="0"/>
-              <a:t>4/14/13</a:t>
+              <a:t>4/16/13</a:t>
             </a:fld>
             <a:endParaRPr lang="en-US"/>
           </a:p>
@@ -2510,7 +2511,7 @@
           <a:p>
             <a:fld id="{A73504A3-9D1A-AE47-A358-CB5A75F861CE}" type="datetimeFigureOut">
               <a:rPr lang="en-US" smtClean="0"/>
-              <a:t>4/14/13</a:t>
+              <a:t>4/16/13</a:t>
             </a:fld>
             <a:endParaRPr lang="en-US"/>
           </a:p>
@@ -2723,7 +2724,7 @@
           <a:p>
             <a:fld id="{A73504A3-9D1A-AE47-A358-CB5A75F861CE}" type="datetimeFigureOut">
               <a:rPr lang="en-US" smtClean="0"/>
-              <a:t>4/14/13</a:t>
+              <a:t>4/16/13</a:t>
             </a:fld>
             <a:endParaRPr lang="en-US"/>
           </a:p>
@@ -3234,11 +3235,7 @@
           <a:p>
             <a:r>
               <a:rPr lang="en-US" dirty="0" smtClean="0"/>
-              <a:t>Mahout Workshop, Section </a:t>
-            </a:r>
-            <a:r>
-              <a:rPr lang="en-US" dirty="0" smtClean="0"/>
-              <a:t>6</a:t>
+              <a:t>Mahout Workshop, Section 6</a:t>
             </a:r>
             <a:endParaRPr lang="en-US" dirty="0"/>
           </a:p>
@@ -3310,6 +3307,463 @@
           <a:chExt cx="0" cy="0"/>
         </a:xfrm>
       </p:grpSpPr>
+      <p:pic>
+        <p:nvPicPr>
+          <p:cNvPr id="6" name="Picture 5"/>
+          <p:cNvPicPr>
+            <a:picLocks noChangeAspect="1"/>
+          </p:cNvPicPr>
+          <p:nvPr/>
+        </p:nvPicPr>
+        <p:blipFill>
+          <a:blip r:embed="rId2"/>
+          <a:stretch>
+            <a:fillRect/>
+          </a:stretch>
+        </p:blipFill>
+        <p:spPr>
+          <a:xfrm>
+            <a:off x="2463800" y="0"/>
+            <a:ext cx="4205773" cy="6858000"/>
+          </a:xfrm>
+          <a:prstGeom prst="rect">
+            <a:avLst/>
+          </a:prstGeom>
+        </p:spPr>
+      </p:pic>
+      <p:sp>
+        <p:nvSpPr>
+          <p:cNvPr id="2" name="Rectangle 1"/>
+          <p:cNvSpPr/>
+          <p:nvPr/>
+        </p:nvSpPr>
+        <p:spPr>
+          <a:xfrm>
+            <a:off x="3591178" y="2010741"/>
+            <a:ext cx="905093" cy="777717"/>
+          </a:xfrm>
+          <a:prstGeom prst="rect">
+            <a:avLst/>
+          </a:prstGeom>
+          <a:solidFill>
+            <a:schemeClr val="accent2">
+              <a:alpha val="50000"/>
+            </a:schemeClr>
+          </a:solidFill>
+          <a:ln>
+            <a:solidFill>
+              <a:schemeClr val="accent2"/>
+            </a:solidFill>
+          </a:ln>
+        </p:spPr>
+        <p:style>
+          <a:lnRef idx="1">
+            <a:schemeClr val="accent1"/>
+          </a:lnRef>
+          <a:fillRef idx="3">
+            <a:schemeClr val="accent1"/>
+          </a:fillRef>
+          <a:effectRef idx="2">
+            <a:schemeClr val="accent1"/>
+          </a:effectRef>
+          <a:fontRef idx="minor">
+            <a:schemeClr val="lt1"/>
+          </a:fontRef>
+        </p:style>
+        <p:txBody>
+          <a:bodyPr rtlCol="0" anchor="ctr"/>
+          <a:lstStyle/>
+          <a:p>
+            <a:pPr algn="ctr"/>
+            <a:endParaRPr lang="en-US"/>
+          </a:p>
+        </p:txBody>
+      </p:sp>
+      <p:sp>
+        <p:nvSpPr>
+          <p:cNvPr id="7" name="Rectangle 6"/>
+          <p:cNvSpPr/>
+          <p:nvPr/>
+        </p:nvSpPr>
+        <p:spPr>
+          <a:xfrm>
+            <a:off x="3591178" y="3026170"/>
+            <a:ext cx="905093" cy="777717"/>
+          </a:xfrm>
+          <a:prstGeom prst="rect">
+            <a:avLst/>
+          </a:prstGeom>
+          <a:solidFill>
+            <a:schemeClr val="accent2">
+              <a:alpha val="50000"/>
+            </a:schemeClr>
+          </a:solidFill>
+          <a:ln>
+            <a:solidFill>
+              <a:schemeClr val="accent2"/>
+            </a:solidFill>
+          </a:ln>
+        </p:spPr>
+        <p:style>
+          <a:lnRef idx="1">
+            <a:schemeClr val="accent1"/>
+          </a:lnRef>
+          <a:fillRef idx="3">
+            <a:schemeClr val="accent1"/>
+          </a:fillRef>
+          <a:effectRef idx="2">
+            <a:schemeClr val="accent1"/>
+          </a:effectRef>
+          <a:fontRef idx="minor">
+            <a:schemeClr val="lt1"/>
+          </a:fontRef>
+        </p:style>
+        <p:txBody>
+          <a:bodyPr rtlCol="0" anchor="ctr"/>
+          <a:lstStyle/>
+          <a:p>
+            <a:pPr algn="ctr"/>
+            <a:endParaRPr lang="en-US"/>
+          </a:p>
+        </p:txBody>
+      </p:sp>
+      <p:sp>
+        <p:nvSpPr>
+          <p:cNvPr id="8" name="Rectangle 7"/>
+          <p:cNvSpPr/>
+          <p:nvPr/>
+        </p:nvSpPr>
+        <p:spPr>
+          <a:xfrm>
+            <a:off x="3591178" y="1028874"/>
+            <a:ext cx="905093" cy="777717"/>
+          </a:xfrm>
+          <a:prstGeom prst="rect">
+            <a:avLst/>
+          </a:prstGeom>
+          <a:solidFill>
+            <a:schemeClr val="accent2">
+              <a:alpha val="50000"/>
+            </a:schemeClr>
+          </a:solidFill>
+          <a:ln w="38100" cmpd="sng">
+            <a:solidFill>
+              <a:schemeClr val="accent2"/>
+            </a:solidFill>
+          </a:ln>
+        </p:spPr>
+        <p:style>
+          <a:lnRef idx="1">
+            <a:schemeClr val="accent1"/>
+          </a:lnRef>
+          <a:fillRef idx="3">
+            <a:schemeClr val="accent1"/>
+          </a:fillRef>
+          <a:effectRef idx="2">
+            <a:schemeClr val="accent1"/>
+          </a:effectRef>
+          <a:fontRef idx="minor">
+            <a:schemeClr val="lt1"/>
+          </a:fontRef>
+        </p:style>
+        <p:txBody>
+          <a:bodyPr rtlCol="0" anchor="ctr"/>
+          <a:lstStyle/>
+          <a:p>
+            <a:pPr algn="ctr"/>
+            <a:endParaRPr lang="en-US">
+              <a:ln w="38100" cmpd="sng">
+                <a:solidFill>
+                  <a:schemeClr val="tx1"/>
+                </a:solidFill>
+              </a:ln>
+            </a:endParaRPr>
+          </a:p>
+        </p:txBody>
+      </p:sp>
+      <p:sp>
+        <p:nvSpPr>
+          <p:cNvPr id="9" name="Rectangle 8"/>
+          <p:cNvSpPr/>
+          <p:nvPr/>
+        </p:nvSpPr>
+        <p:spPr>
+          <a:xfrm>
+            <a:off x="3591178" y="34678"/>
+            <a:ext cx="905093" cy="777717"/>
+          </a:xfrm>
+          <a:prstGeom prst="rect">
+            <a:avLst/>
+          </a:prstGeom>
+          <a:solidFill>
+            <a:schemeClr val="accent2">
+              <a:alpha val="50000"/>
+            </a:schemeClr>
+          </a:solidFill>
+          <a:ln w="38100" cmpd="sng">
+            <a:solidFill>
+              <a:schemeClr val="accent2"/>
+            </a:solidFill>
+          </a:ln>
+        </p:spPr>
+        <p:style>
+          <a:lnRef idx="1">
+            <a:schemeClr val="accent1"/>
+          </a:lnRef>
+          <a:fillRef idx="3">
+            <a:schemeClr val="accent1"/>
+          </a:fillRef>
+          <a:effectRef idx="2">
+            <a:schemeClr val="accent1"/>
+          </a:effectRef>
+          <a:fontRef idx="minor">
+            <a:schemeClr val="lt1"/>
+          </a:fontRef>
+        </p:style>
+        <p:txBody>
+          <a:bodyPr rtlCol="0" anchor="ctr"/>
+          <a:lstStyle/>
+          <a:p>
+            <a:pPr algn="ctr"/>
+            <a:endParaRPr lang="en-US">
+              <a:ln w="38100" cmpd="sng">
+                <a:solidFill>
+                  <a:schemeClr val="tx1"/>
+                </a:solidFill>
+              </a:ln>
+            </a:endParaRPr>
+          </a:p>
+        </p:txBody>
+      </p:sp>
+      <p:sp>
+        <p:nvSpPr>
+          <p:cNvPr id="10" name="TextBox 9"/>
+          <p:cNvSpPr txBox="1"/>
+          <p:nvPr/>
+        </p:nvSpPr>
+        <p:spPr>
+          <a:xfrm>
+            <a:off x="0" y="0"/>
+            <a:ext cx="1988044" cy="369332"/>
+          </a:xfrm>
+          <a:prstGeom prst="rect">
+            <a:avLst/>
+          </a:prstGeom>
+          <a:noFill/>
+        </p:spPr>
+        <p:txBody>
+          <a:bodyPr wrap="none" rtlCol="0">
+            <a:spAutoFit/>
+          </a:bodyPr>
+          <a:lstStyle/>
+          <a:p>
+            <a:r>
+              <a:rPr lang="en-US" dirty="0" smtClean="0"/>
+              <a:t>Section </a:t>
+            </a:r>
+            <a:r>
+              <a:rPr lang="en-US" dirty="0" smtClean="0"/>
+              <a:t>6</a:t>
+            </a:r>
+            <a:r>
+              <a:rPr lang="en-US" dirty="0" smtClean="0"/>
+              <a:t> </a:t>
+            </a:r>
+            <a:r>
+              <a:rPr lang="en-US" smtClean="0"/>
+              <a:t>(this one</a:t>
+            </a:r>
+            <a:r>
+              <a:rPr lang="en-US" dirty="0" smtClean="0"/>
+              <a:t>)</a:t>
+            </a:r>
+            <a:endParaRPr lang="en-US" dirty="0"/>
+          </a:p>
+        </p:txBody>
+      </p:sp>
+      <p:sp>
+        <p:nvSpPr>
+          <p:cNvPr id="11" name="Rectangle 10"/>
+          <p:cNvSpPr/>
+          <p:nvPr/>
+        </p:nvSpPr>
+        <p:spPr>
+          <a:xfrm>
+            <a:off x="2525450" y="2022968"/>
+            <a:ext cx="905093" cy="777717"/>
+          </a:xfrm>
+          <a:prstGeom prst="rect">
+            <a:avLst/>
+          </a:prstGeom>
+          <a:noFill/>
+          <a:ln w="38100" cmpd="sng">
+            <a:solidFill>
+              <a:schemeClr val="accent2"/>
+            </a:solidFill>
+          </a:ln>
+        </p:spPr>
+        <p:style>
+          <a:lnRef idx="1">
+            <a:schemeClr val="accent1"/>
+          </a:lnRef>
+          <a:fillRef idx="3">
+            <a:schemeClr val="accent1"/>
+          </a:fillRef>
+          <a:effectRef idx="2">
+            <a:schemeClr val="accent1"/>
+          </a:effectRef>
+          <a:fontRef idx="minor">
+            <a:schemeClr val="lt1"/>
+          </a:fontRef>
+        </p:style>
+        <p:txBody>
+          <a:bodyPr rtlCol="0" anchor="ctr"/>
+          <a:lstStyle/>
+          <a:p>
+            <a:pPr algn="ctr"/>
+            <a:endParaRPr lang="en-US">
+              <a:ln w="38100" cmpd="sng">
+                <a:solidFill>
+                  <a:schemeClr val="tx1"/>
+                </a:solidFill>
+              </a:ln>
+            </a:endParaRPr>
+          </a:p>
+        </p:txBody>
+      </p:sp>
+      <p:sp>
+        <p:nvSpPr>
+          <p:cNvPr id="13" name="Rectangle 12"/>
+          <p:cNvSpPr/>
+          <p:nvPr/>
+        </p:nvSpPr>
+        <p:spPr>
+          <a:xfrm>
+            <a:off x="2525450" y="4003292"/>
+            <a:ext cx="905093" cy="777717"/>
+          </a:xfrm>
+          <a:prstGeom prst="rect">
+            <a:avLst/>
+          </a:prstGeom>
+          <a:solidFill>
+            <a:schemeClr val="accent2">
+              <a:alpha val="50000"/>
+            </a:schemeClr>
+          </a:solidFill>
+          <a:ln>
+            <a:solidFill>
+              <a:schemeClr val="accent2"/>
+            </a:solidFill>
+          </a:ln>
+        </p:spPr>
+        <p:style>
+          <a:lnRef idx="1">
+            <a:schemeClr val="accent1"/>
+          </a:lnRef>
+          <a:fillRef idx="3">
+            <a:schemeClr val="accent1"/>
+          </a:fillRef>
+          <a:effectRef idx="2">
+            <a:schemeClr val="accent1"/>
+          </a:effectRef>
+          <a:fontRef idx="minor">
+            <a:schemeClr val="lt1"/>
+          </a:fontRef>
+        </p:style>
+        <p:txBody>
+          <a:bodyPr rtlCol="0" anchor="ctr"/>
+          <a:lstStyle/>
+          <a:p>
+            <a:pPr algn="ctr"/>
+            <a:endParaRPr lang="en-US"/>
+          </a:p>
+        </p:txBody>
+      </p:sp>
+      <p:sp>
+        <p:nvSpPr>
+          <p:cNvPr id="14" name="Rectangle 13"/>
+          <p:cNvSpPr/>
+          <p:nvPr/>
+        </p:nvSpPr>
+        <p:spPr>
+          <a:xfrm>
+            <a:off x="3591178" y="5007383"/>
+            <a:ext cx="905093" cy="777717"/>
+          </a:xfrm>
+          <a:prstGeom prst="rect">
+            <a:avLst/>
+          </a:prstGeom>
+          <a:solidFill>
+            <a:schemeClr val="accent2">
+              <a:alpha val="50000"/>
+            </a:schemeClr>
+          </a:solidFill>
+          <a:ln>
+            <a:solidFill>
+              <a:schemeClr val="accent2"/>
+            </a:solidFill>
+          </a:ln>
+        </p:spPr>
+        <p:style>
+          <a:lnRef idx="1">
+            <a:schemeClr val="accent1"/>
+          </a:lnRef>
+          <a:fillRef idx="3">
+            <a:schemeClr val="accent1"/>
+          </a:fillRef>
+          <a:effectRef idx="2">
+            <a:schemeClr val="accent1"/>
+          </a:effectRef>
+          <a:fontRef idx="minor">
+            <a:schemeClr val="lt1"/>
+          </a:fontRef>
+        </p:style>
+        <p:txBody>
+          <a:bodyPr rtlCol="0" anchor="ctr"/>
+          <a:lstStyle/>
+          <a:p>
+            <a:pPr algn="ctr"/>
+            <a:endParaRPr lang="en-US"/>
+          </a:p>
+        </p:txBody>
+      </p:sp>
+    </p:spTree>
+    <p:extLst>
+      <p:ext uri="{BB962C8B-B14F-4D97-AF65-F5344CB8AC3E}">
+        <p14:creationId xmlns:p14="http://schemas.microsoft.com/office/powerpoint/2010/main" val="1146347034"/>
+      </p:ext>
+    </p:extLst>
+  </p:cSld>
+  <p:clrMapOvr>
+    <a:masterClrMapping/>
+  </p:clrMapOvr>
+  <p:timing>
+    <p:tnLst>
+      <p:par>
+        <p:cTn xmlns:p14="http://schemas.microsoft.com/office/powerpoint/2010/main" id="1" dur="indefinite" restart="never" nodeType="tmRoot"/>
+      </p:par>
+    </p:tnLst>
+  </p:timing>
+</p:sld>
+</file>
+
+<file path=ppt/slides/slide4.xml><?xml version="1.0" encoding="utf-8"?>
+<p:sld xmlns:a="http://schemas.openxmlformats.org/drawingml/2006/main" xmlns:r="http://schemas.openxmlformats.org/officeDocument/2006/relationships" xmlns:p="http://schemas.openxmlformats.org/presentationml/2006/main">
+  <p:cSld>
+    <p:spTree>
+      <p:nvGrpSpPr>
+        <p:cNvPr id="1" name=""/>
+        <p:cNvGrpSpPr/>
+        <p:nvPr/>
+      </p:nvGrpSpPr>
+      <p:grpSpPr>
+        <a:xfrm>
+          <a:off x="0" y="0"/>
+          <a:ext cx="0" cy="0"/>
+          <a:chOff x="0" y="0"/>
+          <a:chExt cx="0" cy="0"/>
+        </a:xfrm>
+      </p:grpSpPr>
       <p:sp>
         <p:nvSpPr>
           <p:cNvPr id="4" name="Title 3"/>
@@ -3369,7 +3823,7 @@
 </p:sld>
 </file>
 
-<file path=ppt/slides/slide4.xml><?xml version="1.0" encoding="utf-8"?>
+<file path=ppt/slides/slide5.xml><?xml version="1.0" encoding="utf-8"?>
 <p:sld xmlns:a="http://schemas.openxmlformats.org/drawingml/2006/main" xmlns:r="http://schemas.openxmlformats.org/officeDocument/2006/relationships" xmlns:p="http://schemas.openxmlformats.org/presentationml/2006/main">
   <p:cSld>
     <p:spTree>
